--- a/Semana 8/software_architecture_design.pptx
+++ b/Semana 8/software_architecture_design.pptx
@@ -3931,7 +3931,7 @@
           <a:p>
             <a:r>
               <a:rPr lang="en-US" b="1" dirty="0"/>
-              <a:t>“Choosing and Structuring a New Software Project”</a:t>
+              <a:t>Choosing and Structuring a New Software Project</a:t>
             </a:r>
             <a:br>
               <a:rPr lang="en-US" dirty="0"/>
